--- a/Documentation/Architecture/Centric EDW 2.0 Architecture Summary.pptx
+++ b/Documentation/Architecture/Centric EDW 2.0 Architecture Summary.pptx
@@ -288,7 +288,7 @@
               <a:pPr>
                 <a:defRPr/>
               </a:pPr>
-              <a:t>3/13/2018</a:t>
+              <a:t>3/14/2018</a:t>
             </a:fld>
             <a:endParaRPr lang="en-US" dirty="0"/>
           </a:p>
@@ -503,7 +503,7 @@
               <a:pPr>
                 <a:defRPr/>
               </a:pPr>
-              <a:t>3/13/2018</a:t>
+              <a:t>3/14/2018</a:t>
             </a:fld>
             <a:endParaRPr lang="en-US" dirty="0"/>
           </a:p>
@@ -6685,9 +6685,6 @@
               </a:rPr>
               <a:t>Audit</a:t>
             </a:r>
-            <a:endParaRPr lang="en-US" sz="1400" dirty="0" smtClean="0">
-              <a:latin typeface="+mj-lt"/>
-            </a:endParaRPr>
           </a:p>
         </p:txBody>
       </p:sp>
@@ -7062,13 +7059,7 @@
               <a:rPr lang="en-US" sz="2400" dirty="0" smtClean="0">
                 <a:latin typeface="+mn-lt"/>
               </a:rPr>
-              <a:t>Maintained </a:t>
-            </a:r>
-            <a:r>
-              <a:rPr lang="en-US" sz="2400" dirty="0" smtClean="0">
-                <a:latin typeface="+mn-lt"/>
-              </a:rPr>
-              <a:t>in dedicated schema</a:t>
+              <a:t>Maintained in dedicated schema</a:t>
             </a:r>
           </a:p>
           <a:p>
@@ -7106,9 +7097,6 @@
               </a:rPr>
               <a:t>execution</a:t>
             </a:r>
-            <a:endParaRPr lang="en-US" sz="2400" dirty="0" smtClean="0">
-              <a:latin typeface="+mn-lt"/>
-            </a:endParaRPr>
           </a:p>
           <a:p>
             <a:pPr marL="285750" indent="-285750">
@@ -7122,13 +7110,7 @@
               <a:rPr lang="en-US" sz="2400" dirty="0" smtClean="0">
                 <a:latin typeface="+mn-lt"/>
               </a:rPr>
-              <a:t>Manages </a:t>
-            </a:r>
-            <a:r>
-              <a:rPr lang="en-US" sz="2400" dirty="0" smtClean="0">
-                <a:latin typeface="+mn-lt"/>
-              </a:rPr>
-              <a:t>incremental load values</a:t>
+              <a:t>Manages incremental load values</a:t>
             </a:r>
           </a:p>
           <a:p>
@@ -7158,13 +7140,7 @@
               <a:rPr lang="en-US" sz="2400" dirty="0" smtClean="0">
                 <a:latin typeface="+mn-lt"/>
               </a:rPr>
-              <a:t>Tags </a:t>
-            </a:r>
-            <a:r>
-              <a:rPr lang="en-US" sz="2400" dirty="0" smtClean="0">
-                <a:latin typeface="+mn-lt"/>
-              </a:rPr>
-              <a:t>each record (Staging &gt; EDW)</a:t>
+              <a:t>Tags each record (Staging &gt; EDW)</a:t>
             </a:r>
           </a:p>
         </p:txBody>
@@ -7678,13 +7654,7 @@
               <a:rPr lang="en-US" sz="1400" dirty="0" smtClean="0">
                 <a:latin typeface="+mn-lt"/>
               </a:rPr>
-              <a:t>Batch Key for </a:t>
-            </a:r>
-            <a:r>
-              <a:rPr lang="en-US" sz="1400" dirty="0" smtClean="0">
-                <a:latin typeface="+mn-lt"/>
-              </a:rPr>
-              <a:t>CDC</a:t>
+              <a:t>Batch Key for CDC</a:t>
             </a:r>
           </a:p>
           <a:p>
@@ -10461,12 +10431,6 @@
               </a:rPr>
               <a:t>{BI Tool}</a:t>
             </a:r>
-            <a:r>
-              <a:rPr lang="en-US" dirty="0" smtClean="0">
-                <a:latin typeface="+mj-lt"/>
-              </a:rPr>
-              <a:t/>
-            </a:r>
             <a:br>
               <a:rPr lang="en-US" dirty="0" smtClean="0">
                 <a:latin typeface="+mj-lt"/>
@@ -10703,13 +10667,7 @@
               <a:rPr lang="en-US" sz="1400" dirty="0" smtClean="0">
                 <a:latin typeface="+mn-lt"/>
               </a:rPr>
-              <a:t>Views against Warehouse </a:t>
-            </a:r>
-            <a:r>
-              <a:rPr lang="en-US" sz="1400" dirty="0" smtClean="0">
-                <a:latin typeface="+mn-lt"/>
-              </a:rPr>
-              <a:t>are still highly efficient due to pattern-based approach</a:t>
+              <a:t>Views against Warehouse are still highly efficient due to pattern-based approach</a:t>
             </a:r>
           </a:p>
           <a:p>
@@ -10754,23 +10712,8 @@
               <a:rPr lang="en-US" sz="1400" dirty="0" smtClean="0">
                 <a:latin typeface="+mn-lt"/>
               </a:rPr>
-              <a:t>{BI Tool} </a:t>
-            </a:r>
-            <a:r>
-              <a:rPr lang="en-US" sz="1400" dirty="0" smtClean="0">
-                <a:latin typeface="+mn-lt"/>
-              </a:rPr>
-              <a:t>Schema supports </a:t>
-            </a:r>
-            <a:r>
-              <a:rPr lang="en-US" sz="1400" dirty="0" smtClean="0">
-                <a:latin typeface="+mn-lt"/>
-              </a:rPr>
-              <a:t>a specific tool and reads from the Mart DBO schema</a:t>
-            </a:r>
-            <a:endParaRPr lang="en-US" sz="1400" dirty="0" smtClean="0">
-              <a:latin typeface="+mn-lt"/>
-            </a:endParaRPr>
+              <a:t>{BI Tool} Schema supports a specific tool and reads from the Mart DBO schema</a:t>
+            </a:r>
           </a:p>
           <a:p>
             <a:pPr marL="285750" indent="-285750">
@@ -12073,77 +12016,6 @@
 </file>
 
 <file path=customXml/item1.xml><?xml version="1.0" encoding="utf-8"?>
-<p:properties xmlns:p="http://schemas.microsoft.com/office/2006/metadata/properties" xmlns:xsi="http://www.w3.org/2001/XMLSchema-instance" xmlns:pc="http://schemas.microsoft.com/office/infopath/2007/PartnerControls">
-  <documentManagement>
-    <TaxKeywordTaxHTField xmlns="29264d6d-7bd7-40c1-b549-15a4f0f62687">
-      <Terms xmlns="http://schemas.microsoft.com/office/infopath/2007/PartnerControls">
-        <TermInfo xmlns="http://schemas.microsoft.com/office/infopath/2007/PartnerControls">
-          <TermName xmlns="http://schemas.microsoft.com/office/infopath/2007/PartnerControls">communications</TermName>
-          <TermId xmlns="http://schemas.microsoft.com/office/infopath/2007/PartnerControls">00000000-0000-0000-0000-000000000000</TermId>
-        </TermInfo>
-        <TermInfo xmlns="http://schemas.microsoft.com/office/infopath/2007/PartnerControls">
-          <TermName xmlns="http://schemas.microsoft.com/office/infopath/2007/PartnerControls">In balance presentation</TermName>
-          <TermId xmlns="http://schemas.microsoft.com/office/infopath/2007/PartnerControls">00000000-0000-0000-0000-000000000000</TermId>
-        </TermInfo>
-        <TermInfo xmlns="http://schemas.microsoft.com/office/infopath/2007/PartnerControls">
-          <TermName xmlns="http://schemas.microsoft.com/office/infopath/2007/PartnerControls">Messaging presentation</TermName>
-          <TermId xmlns="http://schemas.microsoft.com/office/infopath/2007/PartnerControls">00000000-0000-0000-0000-000000000000</TermId>
-        </TermInfo>
-        <TermInfo xmlns="http://schemas.microsoft.com/office/infopath/2007/PartnerControls">
-          <TermName xmlns="http://schemas.microsoft.com/office/infopath/2007/PartnerControls">in balance</TermName>
-          <TermId xmlns="http://schemas.microsoft.com/office/infopath/2007/PartnerControls">00000000-0000-0000-0000-000000000000</TermId>
-        </TermInfo>
-        <TermInfo xmlns="http://schemas.microsoft.com/office/infopath/2007/PartnerControls">
-          <TermName xmlns="http://schemas.microsoft.com/office/infopath/2007/PartnerControls">Marketing</TermName>
-          <TermId xmlns="http://schemas.microsoft.com/office/infopath/2007/PartnerControls">00000000-0000-0000-0000-000000000000</TermId>
-        </TermInfo>
-      </Terms>
-    </TaxKeywordTaxHTField>
-    <TaxCatchAll xmlns="29264d6d-7bd7-40c1-b549-15a4f0f62687">
-      <Value>1418</Value>
-      <Value>219</Value>
-      <Value>1483</Value>
-      <Value>1409</Value>
-      <Value>350</Value>
-      <Value>1407</Value>
-      <Value>209</Value>
-    </TaxCatchAll>
-    <IconOverlay xmlns="http://schemas.microsoft.com/sharepoint/v4" xsi:nil="true"/>
-    <Document_x0020_TypeTaxHTField1 xmlns="29264d6d-7bd7-40c1-b549-15a4f0f62687">
-      <Terms xmlns="http://schemas.microsoft.com/office/infopath/2007/PartnerControls">
-        <TermInfo xmlns="http://schemas.microsoft.com/office/infopath/2007/PartnerControls">
-          <TermName xmlns="http://schemas.microsoft.com/office/infopath/2007/PartnerControls">Branding - Logos, Guides, etc</TermName>
-          <TermId xmlns="http://schemas.microsoft.com/office/infopath/2007/PartnerControls">3ccd4be5-7b25-443e-bc11-dd1b2c66ae8d</TermId>
-        </TermInfo>
-      </Terms>
-    </Document_x0020_TypeTaxHTField1>
-    <Marketing_x0020_Focus xmlns="55e605e8-b8a6-49ec-a4d2-1dfc21784e69">
-      <Value>Messaging &amp; Brand Guidelines</Value>
-      <Value>Presentations &amp; RFP Material</Value>
-    </Marketing_x0020_Focus>
-    <Document_x0020_CategoryTaxHTField1 xmlns="29264d6d-7bd7-40c1-b549-15a4f0f62687">
-      <Terms xmlns="http://schemas.microsoft.com/office/infopath/2007/PartnerControls">
-        <TermInfo xmlns="http://schemas.microsoft.com/office/infopath/2007/PartnerControls">
-          <TermName xmlns="http://schemas.microsoft.com/office/infopath/2007/PartnerControls">Marketing</TermName>
-          <TermId xmlns="http://schemas.microsoft.com/office/infopath/2007/PartnerControls">e672946e-6fe5-422c-9acc-229d1bc3d257</TermId>
-        </TermInfo>
-      </Terms>
-    </Document_x0020_CategoryTaxHTField1>
-    <AverageRating xmlns="http://schemas.microsoft.com/sharepoint/v3" xsi:nil="true"/>
-  </documentManagement>
-</p:properties>
-</file>
-
-<file path=customXml/item2.xml><?xml version="1.0" encoding="utf-8"?>
-<?mso-contentType ?>
-<FormTemplates xmlns="http://schemas.microsoft.com/sharepoint/v3/contenttype/forms">
-  <Display>DocumentLibraryForm</Display>
-  <Edit>DocumentLibraryForm</Edit>
-  <New>DocumentLibraryForm</New>
-</FormTemplates>
-</file>
-
-<file path=customXml/item3.xml><?xml version="1.0" encoding="utf-8"?>
 <ct:contentTypeSchema xmlns:ct="http://schemas.microsoft.com/office/2006/metadata/contentType" xmlns:ma="http://schemas.microsoft.com/office/2006/metadata/properties/metaAttributes" ct:_="" ma:_="" ma:contentTypeName="Document" ma:contentTypeID="0x010100467E6B23D4B6CA40A1460258AC150E9E" ma:contentTypeVersion="14" ma:contentTypeDescription="Create a new document." ma:contentTypeScope="" ma:versionID="1ccdf4873041b3daeecfa816f1d4e199">
   <xsd:schema xmlns:xsd="http://www.w3.org/2001/XMLSchema" xmlns:xs="http://www.w3.org/2001/XMLSchema" xmlns:p="http://schemas.microsoft.com/office/2006/metadata/properties" xmlns:ns1="http://schemas.microsoft.com/sharepoint/v3" xmlns:ns2="29264d6d-7bd7-40c1-b549-15a4f0f62687" xmlns:ns3="55e605e8-b8a6-49ec-a4d2-1dfc21784e69" xmlns:ns4="http://schemas.microsoft.com/sharepoint/v4" targetNamespace="http://schemas.microsoft.com/office/2006/metadata/properties" ma:root="true" ma:fieldsID="60b858a33545d4319814e1658c521a2c" ns1:_="" ns2:_="" ns3:_="" ns4:_="">
     <xsd:import namespace="http://schemas.microsoft.com/sharepoint/v3"/>
@@ -12362,34 +12234,78 @@
 </ct:contentTypeSchema>
 </file>
 
-<file path=customXml/itemProps1.xml><?xml version="1.0" encoding="utf-8"?>
-<ds:datastoreItem xmlns:ds="http://schemas.openxmlformats.org/officeDocument/2006/customXml" ds:itemID="{ED016624-10FF-4AB4-98DB-6106AB2CE1C9}">
-  <ds:schemaRefs>
-    <ds:schemaRef ds:uri="http://purl.org/dc/elements/1.1/"/>
-    <ds:schemaRef ds:uri="http://schemas.microsoft.com/office/2006/metadata/properties"/>
-    <ds:schemaRef ds:uri="29264d6d-7bd7-40c1-b549-15a4f0f62687"/>
-    <ds:schemaRef ds:uri="http://schemas.microsoft.com/office/2006/documentManagement/types"/>
-    <ds:schemaRef ds:uri="http://purl.org/dc/terms/"/>
-    <ds:schemaRef ds:uri="http://purl.org/dc/dcmitype/"/>
-    <ds:schemaRef ds:uri="http://schemas.microsoft.com/office/infopath/2007/PartnerControls"/>
-    <ds:schemaRef ds:uri="55e605e8-b8a6-49ec-a4d2-1dfc21784e69"/>
-    <ds:schemaRef ds:uri="http://schemas.openxmlformats.org/package/2006/metadata/core-properties"/>
-    <ds:schemaRef ds:uri="http://schemas.microsoft.com/sharepoint/v4"/>
-    <ds:schemaRef ds:uri="http://schemas.microsoft.com/sharepoint/v3"/>
-    <ds:schemaRef ds:uri="http://www.w3.org/XML/1998/namespace"/>
-  </ds:schemaRefs>
-</ds:datastoreItem>
+<file path=customXml/item2.xml><?xml version="1.0" encoding="utf-8"?>
+<?mso-contentType ?>
+<FormTemplates xmlns="http://schemas.microsoft.com/sharepoint/v3/contenttype/forms">
+  <Display>DocumentLibraryForm</Display>
+  <Edit>DocumentLibraryForm</Edit>
+  <New>DocumentLibraryForm</New>
+</FormTemplates>
 </file>
 
-<file path=customXml/itemProps2.xml><?xml version="1.0" encoding="utf-8"?>
-<ds:datastoreItem xmlns:ds="http://schemas.openxmlformats.org/officeDocument/2006/customXml" ds:itemID="{ECF167E6-8B54-487F-AF33-2A0FA452A6AB}">
-  <ds:schemaRefs>
-    <ds:schemaRef ds:uri="http://schemas.microsoft.com/sharepoint/v3/contenttype/forms"/>
-  </ds:schemaRefs>
-</ds:datastoreItem>
+<file path=customXml/item3.xml><?xml version="1.0" encoding="utf-8"?>
+<p:properties xmlns:p="http://schemas.microsoft.com/office/2006/metadata/properties" xmlns:xsi="http://www.w3.org/2001/XMLSchema-instance" xmlns:pc="http://schemas.microsoft.com/office/infopath/2007/PartnerControls">
+  <documentManagement>
+    <TaxKeywordTaxHTField xmlns="29264d6d-7bd7-40c1-b549-15a4f0f62687">
+      <Terms xmlns="http://schemas.microsoft.com/office/infopath/2007/PartnerControls">
+        <TermInfo xmlns="http://schemas.microsoft.com/office/infopath/2007/PartnerControls">
+          <TermName xmlns="http://schemas.microsoft.com/office/infopath/2007/PartnerControls">communications</TermName>
+          <TermId xmlns="http://schemas.microsoft.com/office/infopath/2007/PartnerControls">00000000-0000-0000-0000-000000000000</TermId>
+        </TermInfo>
+        <TermInfo xmlns="http://schemas.microsoft.com/office/infopath/2007/PartnerControls">
+          <TermName xmlns="http://schemas.microsoft.com/office/infopath/2007/PartnerControls">In balance presentation</TermName>
+          <TermId xmlns="http://schemas.microsoft.com/office/infopath/2007/PartnerControls">00000000-0000-0000-0000-000000000000</TermId>
+        </TermInfo>
+        <TermInfo xmlns="http://schemas.microsoft.com/office/infopath/2007/PartnerControls">
+          <TermName xmlns="http://schemas.microsoft.com/office/infopath/2007/PartnerControls">Messaging presentation</TermName>
+          <TermId xmlns="http://schemas.microsoft.com/office/infopath/2007/PartnerControls">00000000-0000-0000-0000-000000000000</TermId>
+        </TermInfo>
+        <TermInfo xmlns="http://schemas.microsoft.com/office/infopath/2007/PartnerControls">
+          <TermName xmlns="http://schemas.microsoft.com/office/infopath/2007/PartnerControls">in balance</TermName>
+          <TermId xmlns="http://schemas.microsoft.com/office/infopath/2007/PartnerControls">00000000-0000-0000-0000-000000000000</TermId>
+        </TermInfo>
+        <TermInfo xmlns="http://schemas.microsoft.com/office/infopath/2007/PartnerControls">
+          <TermName xmlns="http://schemas.microsoft.com/office/infopath/2007/PartnerControls">Marketing</TermName>
+          <TermId xmlns="http://schemas.microsoft.com/office/infopath/2007/PartnerControls">00000000-0000-0000-0000-000000000000</TermId>
+        </TermInfo>
+      </Terms>
+    </TaxKeywordTaxHTField>
+    <TaxCatchAll xmlns="29264d6d-7bd7-40c1-b549-15a4f0f62687">
+      <Value>1418</Value>
+      <Value>219</Value>
+      <Value>1483</Value>
+      <Value>1409</Value>
+      <Value>350</Value>
+      <Value>1407</Value>
+      <Value>209</Value>
+    </TaxCatchAll>
+    <IconOverlay xmlns="http://schemas.microsoft.com/sharepoint/v4" xsi:nil="true"/>
+    <Document_x0020_TypeTaxHTField1 xmlns="29264d6d-7bd7-40c1-b549-15a4f0f62687">
+      <Terms xmlns="http://schemas.microsoft.com/office/infopath/2007/PartnerControls">
+        <TermInfo xmlns="http://schemas.microsoft.com/office/infopath/2007/PartnerControls">
+          <TermName xmlns="http://schemas.microsoft.com/office/infopath/2007/PartnerControls">Branding - Logos, Guides, etc</TermName>
+          <TermId xmlns="http://schemas.microsoft.com/office/infopath/2007/PartnerControls">3ccd4be5-7b25-443e-bc11-dd1b2c66ae8d</TermId>
+        </TermInfo>
+      </Terms>
+    </Document_x0020_TypeTaxHTField1>
+    <Marketing_x0020_Focus xmlns="55e605e8-b8a6-49ec-a4d2-1dfc21784e69">
+      <Value>Messaging &amp; Brand Guidelines</Value>
+      <Value>Presentations &amp; RFP Material</Value>
+    </Marketing_x0020_Focus>
+    <Document_x0020_CategoryTaxHTField1 xmlns="29264d6d-7bd7-40c1-b549-15a4f0f62687">
+      <Terms xmlns="http://schemas.microsoft.com/office/infopath/2007/PartnerControls">
+        <TermInfo xmlns="http://schemas.microsoft.com/office/infopath/2007/PartnerControls">
+          <TermName xmlns="http://schemas.microsoft.com/office/infopath/2007/PartnerControls">Marketing</TermName>
+          <TermId xmlns="http://schemas.microsoft.com/office/infopath/2007/PartnerControls">e672946e-6fe5-422c-9acc-229d1bc3d257</TermId>
+        </TermInfo>
+      </Terms>
+    </Document_x0020_CategoryTaxHTField1>
+    <AverageRating xmlns="http://schemas.microsoft.com/sharepoint/v3" xsi:nil="true"/>
+  </documentManagement>
+</p:properties>
 </file>
 
-<file path=customXml/itemProps3.xml><?xml version="1.0" encoding="utf-8"?>
+<file path=customXml/itemProps1.xml><?xml version="1.0" encoding="utf-8"?>
 <ds:datastoreItem xmlns:ds="http://schemas.openxmlformats.org/officeDocument/2006/customXml" ds:itemID="{F2F818CD-C383-4A5B-8694-3D8F49EB78D9}">
   <ds:schemaRefs>
     <ds:schemaRef ds:uri="http://schemas.microsoft.com/office/2006/metadata/contentType"/>
@@ -12408,4 +12324,31 @@
     <ds:schemaRef ds:uri="http://schemas.microsoft.com/internal/obd"/>
   </ds:schemaRefs>
 </ds:datastoreItem>
+</file>
+
+<file path=customXml/itemProps2.xml><?xml version="1.0" encoding="utf-8"?>
+<ds:datastoreItem xmlns:ds="http://schemas.openxmlformats.org/officeDocument/2006/customXml" ds:itemID="{ECF167E6-8B54-487F-AF33-2A0FA452A6AB}">
+  <ds:schemaRefs>
+    <ds:schemaRef ds:uri="http://schemas.microsoft.com/sharepoint/v3/contenttype/forms"/>
+  </ds:schemaRefs>
+</ds:datastoreItem>
+</file>
+
+<file path=customXml/itemProps3.xml><?xml version="1.0" encoding="utf-8"?>
+<ds:datastoreItem xmlns:ds="http://schemas.openxmlformats.org/officeDocument/2006/customXml" ds:itemID="{ED016624-10FF-4AB4-98DB-6106AB2CE1C9}">
+  <ds:schemaRefs>
+    <ds:schemaRef ds:uri="http://purl.org/dc/elements/1.1/"/>
+    <ds:schemaRef ds:uri="http://schemas.microsoft.com/office/2006/metadata/properties"/>
+    <ds:schemaRef ds:uri="29264d6d-7bd7-40c1-b549-15a4f0f62687"/>
+    <ds:schemaRef ds:uri="http://schemas.microsoft.com/office/2006/documentManagement/types"/>
+    <ds:schemaRef ds:uri="http://purl.org/dc/terms/"/>
+    <ds:schemaRef ds:uri="http://purl.org/dc/dcmitype/"/>
+    <ds:schemaRef ds:uri="http://schemas.microsoft.com/office/infopath/2007/PartnerControls"/>
+    <ds:schemaRef ds:uri="55e605e8-b8a6-49ec-a4d2-1dfc21784e69"/>
+    <ds:schemaRef ds:uri="http://schemas.openxmlformats.org/package/2006/metadata/core-properties"/>
+    <ds:schemaRef ds:uri="http://schemas.microsoft.com/sharepoint/v4"/>
+    <ds:schemaRef ds:uri="http://schemas.microsoft.com/sharepoint/v3"/>
+    <ds:schemaRef ds:uri="http://www.w3.org/XML/1998/namespace"/>
+  </ds:schemaRefs>
+</ds:datastoreItem>
 </file>